--- a/meeting_ppt/2023_02_15_발표.pptx
+++ b/meeting_ppt/2023_02_15_발표.pptx
@@ -107,6 +107,11 @@
       </a:defRPr>
     </a:lvl9pPr>
   </p:defaultTextStyle>
+  <p:extLst>
+    <p:ext uri="{EFAFB233-063F-42B5-8137-9DF3F51BA10A}">
+      <p15:sldGuideLst xmlns:p15="http://schemas.microsoft.com/office/powerpoint/2012/main"/>
+    </p:ext>
+  </p:extLst>
 </p:presentation>
 </file>
 
@@ -4430,7 +4435,7 @@
         <p:spPr>
           <a:xfrm>
             <a:off x="0" y="2071025"/>
-            <a:ext cx="12192000" cy="1754326"/>
+            <a:ext cx="12192000" cy="1938992"/>
           </a:xfrm>
           <a:prstGeom prst="rect">
             <a:avLst/>
@@ -4445,10 +4450,10 @@
           <a:p>
             <a:pPr algn="ctr"/>
             <a:r>
-              <a:rPr lang="ko-KR" altLang="en-US" dirty="0"/>
+              <a:rPr lang="ko-KR" altLang="en-US" sz="3000" dirty="0"/>
               <a:t>고찰</a:t>
             </a:r>
-            <a:endParaRPr lang="en-US" altLang="ko-KR" dirty="0"/>
+            <a:endParaRPr lang="en-US" altLang="ko-KR" sz="3000" dirty="0"/>
           </a:p>
           <a:p>
             <a:pPr algn="ctr"/>
@@ -4558,6 +4563,36 @@
           </a:p>
         </p:txBody>
       </p:sp>
+      <p:pic>
+        <p:nvPicPr>
+          <p:cNvPr id="5" name="그림 4">
+            <a:extLst>
+              <a:ext uri="{FF2B5EF4-FFF2-40B4-BE49-F238E27FC236}">
+                <a16:creationId xmlns:a16="http://schemas.microsoft.com/office/drawing/2014/main" id="{0B2933B2-438A-80B6-AF72-1B9B3505C4C6}"/>
+              </a:ext>
+            </a:extLst>
+          </p:cNvPr>
+          <p:cNvPicPr>
+            <a:picLocks noChangeAspect="1"/>
+          </p:cNvPicPr>
+          <p:nvPr/>
+        </p:nvPicPr>
+        <p:blipFill>
+          <a:blip r:embed="rId2"/>
+          <a:stretch>
+            <a:fillRect/>
+          </a:stretch>
+        </p:blipFill>
+        <p:spPr>
+          <a:xfrm>
+            <a:off x="3633787" y="4443980"/>
+            <a:ext cx="4924425" cy="428625"/>
+          </a:xfrm>
+          <a:prstGeom prst="rect">
+            <a:avLst/>
+          </a:prstGeom>
+        </p:spPr>
+      </p:pic>
     </p:spTree>
     <p:extLst>
       <p:ext uri="{BB962C8B-B14F-4D97-AF65-F5344CB8AC3E}">

--- a/meeting_ppt/2023_02_15_발표.pptx
+++ b/meeting_ppt/2023_02_15_발표.pptx
@@ -4044,6 +4044,92 @@
           </a:p>
         </p:txBody>
       </p:sp>
+      <p:cxnSp>
+        <p:nvCxnSpPr>
+          <p:cNvPr id="2" name="직선 화살표 연결선 1">
+            <a:extLst>
+              <a:ext uri="{FF2B5EF4-FFF2-40B4-BE49-F238E27FC236}">
+                <a16:creationId xmlns:a16="http://schemas.microsoft.com/office/drawing/2014/main" id="{9E7C3E85-A74F-42B7-CC22-FF0F8F41E45B}"/>
+              </a:ext>
+            </a:extLst>
+          </p:cNvPr>
+          <p:cNvCxnSpPr>
+            <a:cxnSpLocks/>
+            <a:stCxn id="4" idx="3"/>
+            <a:endCxn id="24" idx="0"/>
+          </p:cNvCxnSpPr>
+          <p:nvPr/>
+        </p:nvCxnSpPr>
+        <p:spPr>
+          <a:xfrm>
+            <a:off x="2293048" y="1202902"/>
+            <a:ext cx="714890" cy="612412"/>
+          </a:xfrm>
+          <a:prstGeom prst="straightConnector1">
+            <a:avLst/>
+          </a:prstGeom>
+          <a:ln>
+            <a:tailEnd type="triangle"/>
+          </a:ln>
+        </p:spPr>
+        <p:style>
+          <a:lnRef idx="1">
+            <a:schemeClr val="accent1"/>
+          </a:lnRef>
+          <a:fillRef idx="0">
+            <a:schemeClr val="accent1"/>
+          </a:fillRef>
+          <a:effectRef idx="0">
+            <a:schemeClr val="accent1"/>
+          </a:effectRef>
+          <a:fontRef idx="minor">
+            <a:schemeClr val="tx1"/>
+          </a:fontRef>
+        </p:style>
+      </p:cxnSp>
+      <p:cxnSp>
+        <p:nvCxnSpPr>
+          <p:cNvPr id="6" name="직선 화살표 연결선 5">
+            <a:extLst>
+              <a:ext uri="{FF2B5EF4-FFF2-40B4-BE49-F238E27FC236}">
+                <a16:creationId xmlns:a16="http://schemas.microsoft.com/office/drawing/2014/main" id="{7DD8FAA4-97D9-B392-2300-ACB498E416E3}"/>
+              </a:ext>
+            </a:extLst>
+          </p:cNvPr>
+          <p:cNvCxnSpPr>
+            <a:cxnSpLocks/>
+            <a:stCxn id="22" idx="3"/>
+            <a:endCxn id="24" idx="0"/>
+          </p:cNvCxnSpPr>
+          <p:nvPr/>
+        </p:nvCxnSpPr>
+        <p:spPr>
+          <a:xfrm flipV="1">
+            <a:off x="2293048" y="1815314"/>
+            <a:ext cx="714890" cy="1103013"/>
+          </a:xfrm>
+          <a:prstGeom prst="straightConnector1">
+            <a:avLst/>
+          </a:prstGeom>
+          <a:ln>
+            <a:tailEnd type="triangle"/>
+          </a:ln>
+        </p:spPr>
+        <p:style>
+          <a:lnRef idx="1">
+            <a:schemeClr val="accent1"/>
+          </a:lnRef>
+          <a:fillRef idx="0">
+            <a:schemeClr val="accent1"/>
+          </a:fillRef>
+          <a:effectRef idx="0">
+            <a:schemeClr val="accent1"/>
+          </a:effectRef>
+          <a:fontRef idx="minor">
+            <a:schemeClr val="tx1"/>
+          </a:fontRef>
+        </p:style>
+      </p:cxnSp>
     </p:spTree>
     <p:extLst>
       <p:ext uri="{BB962C8B-B14F-4D97-AF65-F5344CB8AC3E}">
@@ -4267,7 +4353,7 @@
         </p:blipFill>
         <p:spPr>
           <a:xfrm>
-            <a:off x="6096000" y="0"/>
+            <a:off x="5738718" y="1065791"/>
             <a:ext cx="6096000" cy="4572000"/>
           </a:xfrm>
           <a:prstGeom prst="rect">
@@ -4297,7 +4383,7 @@
         </p:blipFill>
         <p:spPr>
           <a:xfrm>
-            <a:off x="1266290" y="863574"/>
+            <a:off x="1236012" y="1681084"/>
             <a:ext cx="2844851" cy="2844851"/>
           </a:xfrm>
           <a:prstGeom prst="rect">
@@ -4319,7 +4405,7 @@
         </p:nvSpPr>
         <p:spPr>
           <a:xfrm>
-            <a:off x="1503652" y="3767328"/>
+            <a:off x="1473374" y="4584838"/>
             <a:ext cx="2370125" cy="369332"/>
           </a:xfrm>
           <a:prstGeom prst="rect">
@@ -4356,7 +4442,7 @@
         </p:nvSpPr>
         <p:spPr>
           <a:xfrm>
-            <a:off x="7439558" y="4248834"/>
+            <a:off x="7082276" y="5314625"/>
             <a:ext cx="3408884" cy="646331"/>
           </a:xfrm>
           <a:prstGeom prst="rect">
@@ -4386,6 +4472,113 @@
             <a:r>
               <a:rPr lang="ko-KR" altLang="en-US" dirty="0"/>
               <a:t>순위 시각화</a:t>
+            </a:r>
+          </a:p>
+        </p:txBody>
+      </p:sp>
+      <p:sp>
+        <p:nvSpPr>
+          <p:cNvPr id="2" name="직사각형 1">
+            <a:extLst>
+              <a:ext uri="{FF2B5EF4-FFF2-40B4-BE49-F238E27FC236}">
+                <a16:creationId xmlns:a16="http://schemas.microsoft.com/office/drawing/2014/main" id="{AFBE0006-FFA4-5765-86C1-CBE0ABC4C3F7}"/>
+              </a:ext>
+            </a:extLst>
+          </p:cNvPr>
+          <p:cNvSpPr/>
+          <p:nvPr/>
+        </p:nvSpPr>
+        <p:spPr>
+          <a:xfrm>
+            <a:off x="1825787" y="292970"/>
+            <a:ext cx="1725854" cy="1023401"/>
+          </a:xfrm>
+          <a:prstGeom prst="rect">
+            <a:avLst/>
+          </a:prstGeom>
+          <a:ln w="28575"/>
+        </p:spPr>
+        <p:style>
+          <a:lnRef idx="2">
+            <a:schemeClr val="accent1">
+              <a:shade val="50000"/>
+            </a:schemeClr>
+          </a:lnRef>
+          <a:fillRef idx="1">
+            <a:schemeClr val="accent1"/>
+          </a:fillRef>
+          <a:effectRef idx="0">
+            <a:schemeClr val="accent1"/>
+          </a:effectRef>
+          <a:fontRef idx="minor">
+            <a:schemeClr val="lt1"/>
+          </a:fontRef>
+        </p:style>
+        <p:txBody>
+          <a:bodyPr rtlCol="0" anchor="ctr"/>
+          <a:lstStyle/>
+          <a:p>
+            <a:pPr algn="ctr"/>
+            <a:r>
+              <a:rPr lang="en-US" altLang="ko-KR" dirty="0"/>
+              <a:t>Random</a:t>
+            </a:r>
+          </a:p>
+          <a:p>
+            <a:pPr algn="ctr"/>
+            <a:r>
+              <a:rPr lang="en-US" altLang="ko-KR" dirty="0"/>
+              <a:t>Target Sample</a:t>
+            </a:r>
+          </a:p>
+        </p:txBody>
+      </p:sp>
+      <p:sp>
+        <p:nvSpPr>
+          <p:cNvPr id="4" name="직사각형 3">
+            <a:extLst>
+              <a:ext uri="{FF2B5EF4-FFF2-40B4-BE49-F238E27FC236}">
+                <a16:creationId xmlns:a16="http://schemas.microsoft.com/office/drawing/2014/main" id="{D8601705-4659-4676-95A7-25942B4838A5}"/>
+              </a:ext>
+            </a:extLst>
+          </p:cNvPr>
+          <p:cNvSpPr/>
+          <p:nvPr/>
+        </p:nvSpPr>
+        <p:spPr>
+          <a:xfrm>
+            <a:off x="8045896" y="292970"/>
+            <a:ext cx="1725854" cy="1023401"/>
+          </a:xfrm>
+          <a:prstGeom prst="rect">
+            <a:avLst/>
+          </a:prstGeom>
+          <a:ln w="28575"/>
+        </p:spPr>
+        <p:style>
+          <a:lnRef idx="2">
+            <a:schemeClr val="accent1">
+              <a:shade val="50000"/>
+            </a:schemeClr>
+          </a:lnRef>
+          <a:fillRef idx="1">
+            <a:schemeClr val="accent1"/>
+          </a:fillRef>
+          <a:effectRef idx="0">
+            <a:schemeClr val="accent1"/>
+          </a:effectRef>
+          <a:fontRef idx="minor">
+            <a:schemeClr val="lt1"/>
+          </a:fontRef>
+        </p:style>
+        <p:txBody>
+          <a:bodyPr rtlCol="0" anchor="ctr"/>
+          <a:lstStyle/>
+          <a:p>
+            <a:pPr algn="ctr"/>
+            <a:r>
+              <a:rPr lang="en-US" altLang="ko-KR" dirty="0"/>
+              <a:t>TEST</a:t>
             </a:r>
           </a:p>
         </p:txBody>
